--- a/doc/plots/diagrams.pptx
+++ b/doc/plots/diagrams.pptx
@@ -198,7 +198,7 @@
           <a:p>
             <a:fld id="{A0090B64-9A5E-1843-BFA5-D1AA67C6A1FC}" type="datetimeFigureOut">
               <a:rPr lang="en-US" smtClean="0"/>
-              <a:t>2/28/17</a:t>
+              <a:t>3/2/17</a:t>
             </a:fld>
             <a:endParaRPr lang="en-US"/>
           </a:p>
@@ -681,7 +681,7 @@
           <a:p>
             <a:fld id="{DBF33A5B-B94F-9C47-9333-8881A262BD43}" type="datetimeFigureOut">
               <a:rPr lang="en-US" smtClean="0"/>
-              <a:t>2/28/17</a:t>
+              <a:t>3/2/17</a:t>
             </a:fld>
             <a:endParaRPr lang="en-US"/>
           </a:p>
@@ -851,7 +851,7 @@
           <a:p>
             <a:fld id="{DBF33A5B-B94F-9C47-9333-8881A262BD43}" type="datetimeFigureOut">
               <a:rPr lang="en-US" smtClean="0"/>
-              <a:t>2/28/17</a:t>
+              <a:t>3/2/17</a:t>
             </a:fld>
             <a:endParaRPr lang="en-US"/>
           </a:p>
@@ -1031,7 +1031,7 @@
           <a:p>
             <a:fld id="{DBF33A5B-B94F-9C47-9333-8881A262BD43}" type="datetimeFigureOut">
               <a:rPr lang="en-US" smtClean="0"/>
-              <a:t>2/28/17</a:t>
+              <a:t>3/2/17</a:t>
             </a:fld>
             <a:endParaRPr lang="en-US"/>
           </a:p>
@@ -1201,7 +1201,7 @@
           <a:p>
             <a:fld id="{DBF33A5B-B94F-9C47-9333-8881A262BD43}" type="datetimeFigureOut">
               <a:rPr lang="en-US" smtClean="0"/>
-              <a:t>2/28/17</a:t>
+              <a:t>3/2/17</a:t>
             </a:fld>
             <a:endParaRPr lang="en-US"/>
           </a:p>
@@ -1447,7 +1447,7 @@
           <a:p>
             <a:fld id="{DBF33A5B-B94F-9C47-9333-8881A262BD43}" type="datetimeFigureOut">
               <a:rPr lang="en-US" smtClean="0"/>
-              <a:t>2/28/17</a:t>
+              <a:t>3/2/17</a:t>
             </a:fld>
             <a:endParaRPr lang="en-US"/>
           </a:p>
@@ -1679,7 +1679,7 @@
           <a:p>
             <a:fld id="{DBF33A5B-B94F-9C47-9333-8881A262BD43}" type="datetimeFigureOut">
               <a:rPr lang="en-US" smtClean="0"/>
-              <a:t>2/28/17</a:t>
+              <a:t>3/2/17</a:t>
             </a:fld>
             <a:endParaRPr lang="en-US"/>
           </a:p>
@@ -2046,7 +2046,7 @@
           <a:p>
             <a:fld id="{DBF33A5B-B94F-9C47-9333-8881A262BD43}" type="datetimeFigureOut">
               <a:rPr lang="en-US" smtClean="0"/>
-              <a:t>2/28/17</a:t>
+              <a:t>3/2/17</a:t>
             </a:fld>
             <a:endParaRPr lang="en-US"/>
           </a:p>
@@ -2164,7 +2164,7 @@
           <a:p>
             <a:fld id="{DBF33A5B-B94F-9C47-9333-8881A262BD43}" type="datetimeFigureOut">
               <a:rPr lang="en-US" smtClean="0"/>
-              <a:t>2/28/17</a:t>
+              <a:t>3/2/17</a:t>
             </a:fld>
             <a:endParaRPr lang="en-US"/>
           </a:p>
@@ -2259,7 +2259,7 @@
           <a:p>
             <a:fld id="{DBF33A5B-B94F-9C47-9333-8881A262BD43}" type="datetimeFigureOut">
               <a:rPr lang="en-US" smtClean="0"/>
-              <a:t>2/28/17</a:t>
+              <a:t>3/2/17</a:t>
             </a:fld>
             <a:endParaRPr lang="en-US"/>
           </a:p>
@@ -2536,7 +2536,7 @@
           <a:p>
             <a:fld id="{DBF33A5B-B94F-9C47-9333-8881A262BD43}" type="datetimeFigureOut">
               <a:rPr lang="en-US" smtClean="0"/>
-              <a:t>2/28/17</a:t>
+              <a:t>3/2/17</a:t>
             </a:fld>
             <a:endParaRPr lang="en-US"/>
           </a:p>
@@ -2789,7 +2789,7 @@
           <a:p>
             <a:fld id="{DBF33A5B-B94F-9C47-9333-8881A262BD43}" type="datetimeFigureOut">
               <a:rPr lang="en-US" smtClean="0"/>
-              <a:t>2/28/17</a:t>
+              <a:t>3/2/17</a:t>
             </a:fld>
             <a:endParaRPr lang="en-US"/>
           </a:p>
@@ -3002,7 +3002,7 @@
           <a:p>
             <a:fld id="{DBF33A5B-B94F-9C47-9333-8881A262BD43}" type="datetimeFigureOut">
               <a:rPr lang="en-US" smtClean="0"/>
-              <a:t>2/28/17</a:t>
+              <a:t>3/2/17</a:t>
             </a:fld>
             <a:endParaRPr lang="en-US"/>
           </a:p>
@@ -5985,113 +5985,64 @@
           </a:fontRef>
         </p:style>
       </p:cxnSp>
-      <mc:AlternateContent xmlns:mc="http://schemas.openxmlformats.org/markup-compatibility/2006" xmlns:a14="http://schemas.microsoft.com/office/drawing/2010/main">
-        <mc:Choice Requires="a14">
-          <p:sp>
-            <p:nvSpPr>
-              <p:cNvPr id="69" name="TextBox 68"/>
-              <p:cNvSpPr txBox="1"/>
-              <p:nvPr/>
-            </p:nvSpPr>
-            <p:spPr>
-              <a:xfrm>
-                <a:off x="4977135" y="5593436"/>
-                <a:ext cx="1407966" cy="400110"/>
-              </a:xfrm>
-              <a:prstGeom prst="rect">
-                <a:avLst/>
-              </a:prstGeom>
-              <a:noFill/>
-              <a:ln>
-                <a:noFill/>
-              </a:ln>
-            </p:spPr>
-            <p:txBody>
-              <a:bodyPr wrap="square" rtlCol="0">
-                <a:spAutoFit/>
-              </a:bodyPr>
-              <a:lstStyle/>
-              <a:p>
-                <a:pPr algn="ctr"/>
-                <a14:m>
-                  <m:oMathPara xmlns:m="http://schemas.openxmlformats.org/officeDocument/2006/math">
-                    <m:oMathParaPr>
-                      <m:jc m:val="centerGroup"/>
-                    </m:oMathParaPr>
-                    <m:oMath xmlns:m="http://schemas.openxmlformats.org/officeDocument/2006/math">
-                      <m:r>
-                        <a:rPr lang="fr-FR" sz="2000" b="0" i="0" smtClean="0">
-                          <a:latin typeface="Cambria Math" charset="0"/>
-                          <a:ea typeface="CMU Serif Roman" charset="0"/>
-                          <a:cs typeface="CMU Serif Roman" charset="0"/>
-                        </a:rPr>
-                        <m:t>1 </m:t>
-                      </m:r>
-                      <m:r>
-                        <m:rPr>
-                          <m:sty m:val="p"/>
-                        </m:rPr>
-                        <a:rPr lang="fr-FR" sz="2000" b="0" i="0" smtClean="0">
-                          <a:latin typeface="Cambria Math" charset="0"/>
-                          <a:ea typeface="CMU Serif Roman" charset="0"/>
-                          <a:cs typeface="CMU Serif Roman" charset="0"/>
-                        </a:rPr>
-                        <m:t>m</m:t>
-                      </m:r>
-                    </m:oMath>
-                  </m:oMathPara>
-                </a14:m>
-                <a:endParaRPr lang="en-US" sz="2000" dirty="0">
-                  <a:latin typeface="CMU Serif Roman" charset="0"/>
-                  <a:ea typeface="CMU Serif Roman" charset="0"/>
-                  <a:cs typeface="CMU Serif Roman" charset="0"/>
-                </a:endParaRPr>
-              </a:p>
-            </p:txBody>
-          </p:sp>
-        </mc:Choice>
-        <mc:Fallback xmlns="">
-          <p:sp>
-            <p:nvSpPr>
-              <p:cNvPr id="69" name="TextBox 68"/>
-              <p:cNvSpPr txBox="1">
-                <a:spLocks noRot="1" noChangeAspect="1" noMove="1" noResize="1" noEditPoints="1" noAdjustHandles="1" noChangeArrowheads="1" noChangeShapeType="1" noTextEdit="1"/>
-              </p:cNvSpPr>
-              <p:nvPr/>
-            </p:nvSpPr>
-            <p:spPr>
-              <a:xfrm>
-                <a:off x="4977135" y="5593436"/>
-                <a:ext cx="1407966" cy="400110"/>
-              </a:xfrm>
-              <a:prstGeom prst="rect">
-                <a:avLst/>
-              </a:prstGeom>
-              <a:blipFill rotWithShape="0">
-                <a:blip r:embed="rId6"/>
-                <a:stretch>
-                  <a:fillRect t="-101538" b="-126154"/>
-                </a:stretch>
-              </a:blipFill>
-              <a:ln>
-                <a:noFill/>
-              </a:ln>
-            </p:spPr>
-            <p:txBody>
-              <a:bodyPr/>
-              <a:lstStyle/>
-              <a:p>
-                <a:r>
-                  <a:rPr lang="en-US">
-                    <a:noFill/>
-                  </a:rPr>
-                  <a:t> </a:t>
-                </a:r>
-              </a:p>
-            </p:txBody>
-          </p:sp>
-        </mc:Fallback>
-      </mc:AlternateContent>
+      <p:sp>
+        <p:nvSpPr>
+          <p:cNvPr id="69" name="TextBox 68"/>
+          <p:cNvSpPr txBox="1"/>
+          <p:nvPr/>
+        </p:nvSpPr>
+        <p:spPr>
+          <a:xfrm>
+            <a:off x="4977135" y="5593436"/>
+            <a:ext cx="1407966" cy="400110"/>
+          </a:xfrm>
+          <a:prstGeom prst="rect">
+            <a:avLst/>
+          </a:prstGeom>
+          <a:noFill/>
+          <a:ln>
+            <a:noFill/>
+          </a:ln>
+        </p:spPr>
+        <p:txBody>
+          <a:bodyPr wrap="square" rtlCol="0">
+            <a:spAutoFit/>
+          </a:bodyPr>
+          <a:lstStyle/>
+          <a:p>
+            <a:pPr algn="ctr"/>
+            <a:r>
+              <a:rPr lang="en-US" sz="2000" dirty="0" smtClean="0">
+                <a:latin typeface="CMU Serif Roman" charset="0"/>
+                <a:ea typeface="CMU Serif Roman" charset="0"/>
+                <a:cs typeface="CMU Serif Roman" charset="0"/>
+              </a:rPr>
+              <a:t>1</a:t>
+            </a:r>
+            <a:r>
+              <a:rPr lang="en-US" sz="1200" dirty="0" smtClean="0">
+                <a:latin typeface="CMU Serif Roman" charset="0"/>
+                <a:ea typeface="CMU Serif Roman" charset="0"/>
+                <a:cs typeface="CMU Serif Roman" charset="0"/>
+              </a:rPr>
+              <a:t> </a:t>
+            </a:r>
+            <a:r>
+              <a:rPr lang="en-US" sz="2000" dirty="0" smtClean="0">
+                <a:latin typeface="CMU Serif Roman" charset="0"/>
+                <a:ea typeface="CMU Serif Roman" charset="0"/>
+                <a:cs typeface="CMU Serif Roman" charset="0"/>
+              </a:rPr>
+              <a:t>m</a:t>
+            </a:r>
+            <a:endParaRPr lang="en-US" sz="2000" dirty="0">
+              <a:latin typeface="CMU Serif Roman" charset="0"/>
+              <a:ea typeface="CMU Serif Roman" charset="0"/>
+              <a:cs typeface="CMU Serif Roman" charset="0"/>
+            </a:endParaRPr>
+          </a:p>
+        </p:txBody>
+      </p:sp>
       <p:cxnSp>
         <p:nvCxnSpPr>
           <p:cNvPr id="3" name="Straight Arrow Connector 2"/>

--- a/doc/plots/diagrams.pptx
+++ b/doc/plots/diagrams.pptx
@@ -5,11 +5,12 @@
     <p:sldMasterId id="2147483648" r:id="rId1"/>
   </p:sldMasterIdLst>
   <p:notesMasterIdLst>
-    <p:notesMasterId r:id="rId4"/>
+    <p:notesMasterId r:id="rId5"/>
   </p:notesMasterIdLst>
   <p:sldIdLst>
     <p:sldId id="256" r:id="rId2"/>
     <p:sldId id="257" r:id="rId3"/>
+    <p:sldId id="258" r:id="rId4"/>
   </p:sldIdLst>
   <p:sldSz cx="12192000" cy="6858000"/>
   <p:notesSz cx="6858000" cy="9144000"/>
@@ -198,7 +199,7 @@
           <a:p>
             <a:fld id="{A0090B64-9A5E-1843-BFA5-D1AA67C6A1FC}" type="datetimeFigureOut">
               <a:rPr lang="en-US" smtClean="0"/>
-              <a:t>3/2/17</a:t>
+              <a:t>3/4/17</a:t>
             </a:fld>
             <a:endParaRPr lang="en-US"/>
           </a:p>
@@ -550,6 +551,90 @@
 </p:notes>
 </file>
 
+<file path=ppt/notesSlides/notesSlide2.xml><?xml version="1.0" encoding="utf-8"?>
+<p:notes xmlns:a="http://schemas.openxmlformats.org/drawingml/2006/main" xmlns:r="http://schemas.openxmlformats.org/officeDocument/2006/relationships" xmlns:p="http://schemas.openxmlformats.org/presentationml/2006/main">
+  <p:cSld>
+    <p:spTree>
+      <p:nvGrpSpPr>
+        <p:cNvPr id="1" name=""/>
+        <p:cNvGrpSpPr/>
+        <p:nvPr/>
+      </p:nvGrpSpPr>
+      <p:grpSpPr>
+        <a:xfrm>
+          <a:off x="0" y="0"/>
+          <a:ext cx="0" cy="0"/>
+          <a:chOff x="0" y="0"/>
+          <a:chExt cx="0" cy="0"/>
+        </a:xfrm>
+      </p:grpSpPr>
+      <p:sp>
+        <p:nvSpPr>
+          <p:cNvPr id="2" name="Slide Image Placeholder 1"/>
+          <p:cNvSpPr>
+            <a:spLocks noGrp="1" noRot="1" noChangeAspect="1"/>
+          </p:cNvSpPr>
+          <p:nvPr>
+            <p:ph type="sldImg"/>
+          </p:nvPr>
+        </p:nvSpPr>
+        <p:spPr/>
+      </p:sp>
+      <p:sp>
+        <p:nvSpPr>
+          <p:cNvPr id="3" name="Notes Placeholder 2"/>
+          <p:cNvSpPr>
+            <a:spLocks noGrp="1"/>
+          </p:cNvSpPr>
+          <p:nvPr>
+            <p:ph type="body" idx="1"/>
+          </p:nvPr>
+        </p:nvSpPr>
+        <p:spPr/>
+        <p:txBody>
+          <a:bodyPr/>
+          <a:lstStyle/>
+          <a:p>
+            <a:endParaRPr lang="en-US" dirty="0"/>
+          </a:p>
+        </p:txBody>
+      </p:sp>
+      <p:sp>
+        <p:nvSpPr>
+          <p:cNvPr id="4" name="Slide Number Placeholder 3"/>
+          <p:cNvSpPr>
+            <a:spLocks noGrp="1"/>
+          </p:cNvSpPr>
+          <p:nvPr>
+            <p:ph type="sldNum" sz="quarter" idx="10"/>
+          </p:nvPr>
+        </p:nvSpPr>
+        <p:spPr/>
+        <p:txBody>
+          <a:bodyPr/>
+          <a:lstStyle/>
+          <a:p>
+            <a:fld id="{07A42AD7-A669-C64B-A4D6-CBA41F9AE8C0}" type="slidenum">
+              <a:rPr lang="en-US" smtClean="0"/>
+              <a:t>3</a:t>
+            </a:fld>
+            <a:endParaRPr lang="en-US"/>
+          </a:p>
+        </p:txBody>
+      </p:sp>
+    </p:spTree>
+    <p:extLst>
+      <p:ext uri="{BB962C8B-B14F-4D97-AF65-F5344CB8AC3E}">
+        <p14:creationId xmlns:p14="http://schemas.microsoft.com/office/powerpoint/2010/main" val="752126756"/>
+      </p:ext>
+    </p:extLst>
+  </p:cSld>
+  <p:clrMapOvr>
+    <a:masterClrMapping/>
+  </p:clrMapOvr>
+</p:notes>
+</file>
+
 <file path=ppt/slideLayouts/slideLayout1.xml><?xml version="1.0" encoding="utf-8"?>
 <p:sldLayout xmlns:a="http://schemas.openxmlformats.org/drawingml/2006/main" xmlns:r="http://schemas.openxmlformats.org/officeDocument/2006/relationships" xmlns:p="http://schemas.openxmlformats.org/presentationml/2006/main" type="title" preserve="1">
   <p:cSld name="Title Slide">
@@ -681,7 +766,7 @@
           <a:p>
             <a:fld id="{DBF33A5B-B94F-9C47-9333-8881A262BD43}" type="datetimeFigureOut">
               <a:rPr lang="en-US" smtClean="0"/>
-              <a:t>3/2/17</a:t>
+              <a:t>3/4/17</a:t>
             </a:fld>
             <a:endParaRPr lang="en-US"/>
           </a:p>
@@ -851,7 +936,7 @@
           <a:p>
             <a:fld id="{DBF33A5B-B94F-9C47-9333-8881A262BD43}" type="datetimeFigureOut">
               <a:rPr lang="en-US" smtClean="0"/>
-              <a:t>3/2/17</a:t>
+              <a:t>3/4/17</a:t>
             </a:fld>
             <a:endParaRPr lang="en-US"/>
           </a:p>
@@ -1031,7 +1116,7 @@
           <a:p>
             <a:fld id="{DBF33A5B-B94F-9C47-9333-8881A262BD43}" type="datetimeFigureOut">
               <a:rPr lang="en-US" smtClean="0"/>
-              <a:t>3/2/17</a:t>
+              <a:t>3/4/17</a:t>
             </a:fld>
             <a:endParaRPr lang="en-US"/>
           </a:p>
@@ -1201,7 +1286,7 @@
           <a:p>
             <a:fld id="{DBF33A5B-B94F-9C47-9333-8881A262BD43}" type="datetimeFigureOut">
               <a:rPr lang="en-US" smtClean="0"/>
-              <a:t>3/2/17</a:t>
+              <a:t>3/4/17</a:t>
             </a:fld>
             <a:endParaRPr lang="en-US"/>
           </a:p>
@@ -1447,7 +1532,7 @@
           <a:p>
             <a:fld id="{DBF33A5B-B94F-9C47-9333-8881A262BD43}" type="datetimeFigureOut">
               <a:rPr lang="en-US" smtClean="0"/>
-              <a:t>3/2/17</a:t>
+              <a:t>3/4/17</a:t>
             </a:fld>
             <a:endParaRPr lang="en-US"/>
           </a:p>
@@ -1679,7 +1764,7 @@
           <a:p>
             <a:fld id="{DBF33A5B-B94F-9C47-9333-8881A262BD43}" type="datetimeFigureOut">
               <a:rPr lang="en-US" smtClean="0"/>
-              <a:t>3/2/17</a:t>
+              <a:t>3/4/17</a:t>
             </a:fld>
             <a:endParaRPr lang="en-US"/>
           </a:p>
@@ -2046,7 +2131,7 @@
           <a:p>
             <a:fld id="{DBF33A5B-B94F-9C47-9333-8881A262BD43}" type="datetimeFigureOut">
               <a:rPr lang="en-US" smtClean="0"/>
-              <a:t>3/2/17</a:t>
+              <a:t>3/4/17</a:t>
             </a:fld>
             <a:endParaRPr lang="en-US"/>
           </a:p>
@@ -2164,7 +2249,7 @@
           <a:p>
             <a:fld id="{DBF33A5B-B94F-9C47-9333-8881A262BD43}" type="datetimeFigureOut">
               <a:rPr lang="en-US" smtClean="0"/>
-              <a:t>3/2/17</a:t>
+              <a:t>3/4/17</a:t>
             </a:fld>
             <a:endParaRPr lang="en-US"/>
           </a:p>
@@ -2259,7 +2344,7 @@
           <a:p>
             <a:fld id="{DBF33A5B-B94F-9C47-9333-8881A262BD43}" type="datetimeFigureOut">
               <a:rPr lang="en-US" smtClean="0"/>
-              <a:t>3/2/17</a:t>
+              <a:t>3/4/17</a:t>
             </a:fld>
             <a:endParaRPr lang="en-US"/>
           </a:p>
@@ -2536,7 +2621,7 @@
           <a:p>
             <a:fld id="{DBF33A5B-B94F-9C47-9333-8881A262BD43}" type="datetimeFigureOut">
               <a:rPr lang="en-US" smtClean="0"/>
-              <a:t>3/2/17</a:t>
+              <a:t>3/4/17</a:t>
             </a:fld>
             <a:endParaRPr lang="en-US"/>
           </a:p>
@@ -2789,7 +2874,7 @@
           <a:p>
             <a:fld id="{DBF33A5B-B94F-9C47-9333-8881A262BD43}" type="datetimeFigureOut">
               <a:rPr lang="en-US" smtClean="0"/>
-              <a:t>3/2/17</a:t>
+              <a:t>3/4/17</a:t>
             </a:fld>
             <a:endParaRPr lang="en-US"/>
           </a:p>
@@ -3002,7 +3087,7 @@
           <a:p>
             <a:fld id="{DBF33A5B-B94F-9C47-9333-8881A262BD43}" type="datetimeFigureOut">
               <a:rPr lang="en-US" smtClean="0"/>
-              <a:t>3/2/17</a:t>
+              <a:t>3/4/17</a:t>
             </a:fld>
             <a:endParaRPr lang="en-US"/>
           </a:p>
@@ -6503,6 +6588,882 @@
     <p:extLst>
       <p:ext uri="{BB962C8B-B14F-4D97-AF65-F5344CB8AC3E}">
         <p14:creationId xmlns:p14="http://schemas.microsoft.com/office/powerpoint/2010/main" val="1850017681"/>
+      </p:ext>
+    </p:extLst>
+  </p:cSld>
+  <p:clrMapOvr>
+    <a:masterClrMapping/>
+  </p:clrMapOvr>
+</p:sld>
+</file>
+
+<file path=ppt/slides/slide3.xml><?xml version="1.0" encoding="utf-8"?>
+<p:sld xmlns:a="http://schemas.openxmlformats.org/drawingml/2006/main" xmlns:r="http://schemas.openxmlformats.org/officeDocument/2006/relationships" xmlns:p="http://schemas.openxmlformats.org/presentationml/2006/main">
+  <p:cSld>
+    <p:spTree>
+      <p:nvGrpSpPr>
+        <p:cNvPr id="1" name=""/>
+        <p:cNvGrpSpPr/>
+        <p:nvPr/>
+      </p:nvGrpSpPr>
+      <p:grpSpPr>
+        <a:xfrm>
+          <a:off x="0" y="0"/>
+          <a:ext cx="0" cy="0"/>
+          <a:chOff x="0" y="0"/>
+          <a:chExt cx="0" cy="0"/>
+        </a:xfrm>
+      </p:grpSpPr>
+      <p:sp>
+        <p:nvSpPr>
+          <p:cNvPr id="30" name="Arc 29"/>
+          <p:cNvSpPr/>
+          <p:nvPr/>
+        </p:nvSpPr>
+        <p:spPr>
+          <a:xfrm>
+            <a:off x="3824587" y="3044521"/>
+            <a:ext cx="900572" cy="864152"/>
+          </a:xfrm>
+          <a:prstGeom prst="arc">
+            <a:avLst>
+              <a:gd name="adj1" fmla="val 20036042"/>
+              <a:gd name="adj2" fmla="val 714223"/>
+            </a:avLst>
+          </a:prstGeom>
+          <a:solidFill>
+            <a:schemeClr val="accent1">
+              <a:lumMod val="60000"/>
+              <a:lumOff val="40000"/>
+            </a:schemeClr>
+          </a:solidFill>
+          <a:ln>
+            <a:noFill/>
+          </a:ln>
+        </p:spPr>
+        <p:style>
+          <a:lnRef idx="1">
+            <a:schemeClr val="accent1"/>
+          </a:lnRef>
+          <a:fillRef idx="0">
+            <a:schemeClr val="accent1"/>
+          </a:fillRef>
+          <a:effectRef idx="0">
+            <a:schemeClr val="accent1"/>
+          </a:effectRef>
+          <a:fontRef idx="minor">
+            <a:schemeClr val="tx1"/>
+          </a:fontRef>
+        </p:style>
+        <p:txBody>
+          <a:bodyPr rtlCol="0" anchor="ctr"/>
+          <a:lstStyle/>
+          <a:p>
+            <a:pPr algn="ctr"/>
+            <a:endParaRPr lang="en-US"/>
+          </a:p>
+        </p:txBody>
+      </p:sp>
+      <p:sp>
+        <p:nvSpPr>
+          <p:cNvPr id="50" name="Arc 49"/>
+          <p:cNvSpPr/>
+          <p:nvPr/>
+        </p:nvSpPr>
+        <p:spPr>
+          <a:xfrm>
+            <a:off x="3917222" y="3113248"/>
+            <a:ext cx="720000" cy="720000"/>
+          </a:xfrm>
+          <a:prstGeom prst="arc">
+            <a:avLst>
+              <a:gd name="adj1" fmla="val 12673903"/>
+              <a:gd name="adj2" fmla="val 714223"/>
+            </a:avLst>
+          </a:prstGeom>
+          <a:solidFill>
+            <a:schemeClr val="accent6">
+              <a:lumMod val="40000"/>
+              <a:lumOff val="60000"/>
+            </a:schemeClr>
+          </a:solidFill>
+          <a:ln>
+            <a:noFill/>
+          </a:ln>
+        </p:spPr>
+        <p:style>
+          <a:lnRef idx="1">
+            <a:schemeClr val="accent1"/>
+          </a:lnRef>
+          <a:fillRef idx="0">
+            <a:schemeClr val="accent1"/>
+          </a:fillRef>
+          <a:effectRef idx="0">
+            <a:schemeClr val="accent1"/>
+          </a:effectRef>
+          <a:fontRef idx="minor">
+            <a:schemeClr val="tx1"/>
+          </a:fontRef>
+        </p:style>
+        <p:txBody>
+          <a:bodyPr rtlCol="0" anchor="ctr"/>
+          <a:lstStyle/>
+          <a:p>
+            <a:pPr algn="ctr"/>
+            <a:endParaRPr lang="en-US"/>
+          </a:p>
+        </p:txBody>
+      </p:sp>
+      <p:cxnSp>
+        <p:nvCxnSpPr>
+          <p:cNvPr id="39" name="Straight Connector 38"/>
+          <p:cNvCxnSpPr/>
+          <p:nvPr/>
+        </p:nvCxnSpPr>
+        <p:spPr>
+          <a:xfrm flipH="1" flipV="1">
+            <a:off x="2823720" y="2574235"/>
+            <a:ext cx="1467626" cy="903992"/>
+          </a:xfrm>
+          <a:prstGeom prst="line">
+            <a:avLst/>
+          </a:prstGeom>
+          <a:ln w="15875">
+            <a:solidFill>
+              <a:schemeClr val="bg1">
+                <a:lumMod val="65000"/>
+              </a:schemeClr>
+            </a:solidFill>
+          </a:ln>
+        </p:spPr>
+        <p:style>
+          <a:lnRef idx="1">
+            <a:schemeClr val="accent1"/>
+          </a:lnRef>
+          <a:fillRef idx="0">
+            <a:schemeClr val="accent1"/>
+          </a:fillRef>
+          <a:effectRef idx="0">
+            <a:schemeClr val="accent1"/>
+          </a:effectRef>
+          <a:fontRef idx="minor">
+            <a:schemeClr val="tx1"/>
+          </a:fontRef>
+        </p:style>
+      </p:cxnSp>
+      <p:cxnSp>
+        <p:nvCxnSpPr>
+          <p:cNvPr id="15" name="Straight Connector 14"/>
+          <p:cNvCxnSpPr/>
+          <p:nvPr/>
+        </p:nvCxnSpPr>
+        <p:spPr>
+          <a:xfrm flipH="1" flipV="1">
+            <a:off x="4279652" y="3477644"/>
+            <a:ext cx="3771979" cy="748815"/>
+          </a:xfrm>
+          <a:prstGeom prst="line">
+            <a:avLst/>
+          </a:prstGeom>
+          <a:ln w="15875">
+            <a:solidFill>
+              <a:schemeClr val="tx1">
+                <a:lumMod val="50000"/>
+                <a:lumOff val="50000"/>
+              </a:schemeClr>
+            </a:solidFill>
+          </a:ln>
+        </p:spPr>
+        <p:style>
+          <a:lnRef idx="1">
+            <a:schemeClr val="accent1"/>
+          </a:lnRef>
+          <a:fillRef idx="0">
+            <a:schemeClr val="accent1"/>
+          </a:fillRef>
+          <a:effectRef idx="0">
+            <a:schemeClr val="accent1"/>
+          </a:effectRef>
+          <a:fontRef idx="minor">
+            <a:schemeClr val="tx1"/>
+          </a:fontRef>
+        </p:style>
+      </p:cxnSp>
+      <p:cxnSp>
+        <p:nvCxnSpPr>
+          <p:cNvPr id="9" name="Straight Connector 8"/>
+          <p:cNvCxnSpPr/>
+          <p:nvPr/>
+        </p:nvCxnSpPr>
+        <p:spPr>
+          <a:xfrm flipV="1">
+            <a:off x="4253851" y="2632517"/>
+            <a:ext cx="1746276" cy="857739"/>
+          </a:xfrm>
+          <a:prstGeom prst="line">
+            <a:avLst/>
+          </a:prstGeom>
+          <a:ln w="15875">
+            <a:solidFill>
+              <a:schemeClr val="bg1">
+                <a:lumMod val="65000"/>
+              </a:schemeClr>
+            </a:solidFill>
+          </a:ln>
+        </p:spPr>
+        <p:style>
+          <a:lnRef idx="1">
+            <a:schemeClr val="accent1"/>
+          </a:lnRef>
+          <a:fillRef idx="0">
+            <a:schemeClr val="accent1"/>
+          </a:fillRef>
+          <a:effectRef idx="0">
+            <a:schemeClr val="accent1"/>
+          </a:effectRef>
+          <a:fontRef idx="minor">
+            <a:schemeClr val="tx1"/>
+          </a:fontRef>
+        </p:style>
+      </p:cxnSp>
+      <p:sp>
+        <p:nvSpPr>
+          <p:cNvPr id="4" name="Oval 3"/>
+          <p:cNvSpPr>
+            <a:spLocks noChangeAspect="1"/>
+          </p:cNvSpPr>
+          <p:nvPr/>
+        </p:nvSpPr>
+        <p:spPr>
+          <a:xfrm>
+            <a:off x="4222503" y="3420878"/>
+            <a:ext cx="104740" cy="104740"/>
+          </a:xfrm>
+          <a:prstGeom prst="ellipse">
+            <a:avLst/>
+          </a:prstGeom>
+          <a:solidFill>
+            <a:schemeClr val="tx1"/>
+          </a:solidFill>
+          <a:ln w="15875">
+            <a:noFill/>
+          </a:ln>
+        </p:spPr>
+        <p:style>
+          <a:lnRef idx="2">
+            <a:schemeClr val="accent1">
+              <a:shade val="50000"/>
+            </a:schemeClr>
+          </a:lnRef>
+          <a:fillRef idx="1">
+            <a:schemeClr val="accent1"/>
+          </a:fillRef>
+          <a:effectRef idx="0">
+            <a:schemeClr val="accent1"/>
+          </a:effectRef>
+          <a:fontRef idx="minor">
+            <a:schemeClr val="lt1"/>
+          </a:fontRef>
+        </p:style>
+        <p:txBody>
+          <a:bodyPr rtlCol="0" anchor="ctr"/>
+          <a:lstStyle/>
+          <a:p>
+            <a:pPr algn="ctr"/>
+            <a:endParaRPr lang="en-US"/>
+          </a:p>
+        </p:txBody>
+      </p:sp>
+      <p:sp>
+        <p:nvSpPr>
+          <p:cNvPr id="5" name="Oval 4"/>
+          <p:cNvSpPr>
+            <a:spLocks noChangeAspect="1"/>
+          </p:cNvSpPr>
+          <p:nvPr/>
+        </p:nvSpPr>
+        <p:spPr>
+          <a:xfrm>
+            <a:off x="8016463" y="4182881"/>
+            <a:ext cx="104740" cy="104740"/>
+          </a:xfrm>
+          <a:prstGeom prst="ellipse">
+            <a:avLst/>
+          </a:prstGeom>
+          <a:solidFill>
+            <a:schemeClr val="tx1"/>
+          </a:solidFill>
+          <a:ln w="15875">
+            <a:noFill/>
+          </a:ln>
+        </p:spPr>
+        <p:style>
+          <a:lnRef idx="2">
+            <a:schemeClr val="accent1">
+              <a:shade val="50000"/>
+            </a:schemeClr>
+          </a:lnRef>
+          <a:fillRef idx="1">
+            <a:schemeClr val="accent1"/>
+          </a:fillRef>
+          <a:effectRef idx="0">
+            <a:schemeClr val="accent1"/>
+          </a:effectRef>
+          <a:fontRef idx="minor">
+            <a:schemeClr val="lt1"/>
+          </a:fontRef>
+        </p:style>
+        <p:txBody>
+          <a:bodyPr rtlCol="0" anchor="ctr"/>
+          <a:lstStyle/>
+          <a:p>
+            <a:pPr algn="ctr"/>
+            <a:endParaRPr lang="en-US"/>
+          </a:p>
+        </p:txBody>
+      </p:sp>
+      <p:sp>
+        <p:nvSpPr>
+          <p:cNvPr id="6" name="Oval 5"/>
+          <p:cNvSpPr>
+            <a:spLocks noChangeAspect="1"/>
+          </p:cNvSpPr>
+          <p:nvPr/>
+        </p:nvSpPr>
+        <p:spPr>
+          <a:xfrm>
+            <a:off x="5923338" y="2604566"/>
+            <a:ext cx="104740" cy="104740"/>
+          </a:xfrm>
+          <a:prstGeom prst="ellipse">
+            <a:avLst/>
+          </a:prstGeom>
+          <a:solidFill>
+            <a:srgbClr val="FF0000"/>
+          </a:solidFill>
+          <a:ln w="15875">
+            <a:noFill/>
+          </a:ln>
+        </p:spPr>
+        <p:style>
+          <a:lnRef idx="2">
+            <a:schemeClr val="accent1">
+              <a:shade val="50000"/>
+            </a:schemeClr>
+          </a:lnRef>
+          <a:fillRef idx="1">
+            <a:schemeClr val="accent1"/>
+          </a:fillRef>
+          <a:effectRef idx="0">
+            <a:schemeClr val="accent1"/>
+          </a:effectRef>
+          <a:fontRef idx="minor">
+            <a:schemeClr val="lt1"/>
+          </a:fontRef>
+        </p:style>
+        <p:txBody>
+          <a:bodyPr rtlCol="0" anchor="ctr"/>
+          <a:lstStyle/>
+          <a:p>
+            <a:pPr algn="ctr"/>
+            <a:endParaRPr lang="en-US">
+              <a:solidFill>
+                <a:srgbClr val="FF0000"/>
+              </a:solidFill>
+            </a:endParaRPr>
+          </a:p>
+        </p:txBody>
+      </p:sp>
+      <p:sp>
+        <p:nvSpPr>
+          <p:cNvPr id="7" name="TextBox 6"/>
+          <p:cNvSpPr txBox="1"/>
+          <p:nvPr/>
+        </p:nvSpPr>
+        <p:spPr>
+          <a:xfrm>
+            <a:off x="5271725" y="2279988"/>
+            <a:ext cx="1407966" cy="338554"/>
+          </a:xfrm>
+          <a:prstGeom prst="rect">
+            <a:avLst/>
+          </a:prstGeom>
+          <a:noFill/>
+          <a:ln>
+            <a:noFill/>
+          </a:ln>
+        </p:spPr>
+        <p:txBody>
+          <a:bodyPr wrap="square" rtlCol="0">
+            <a:spAutoFit/>
+          </a:bodyPr>
+          <a:lstStyle/>
+          <a:p>
+            <a:pPr algn="ctr"/>
+            <a:r>
+              <a:rPr lang="en-US" sz="1600" dirty="0" smtClean="0">
+                <a:solidFill>
+                  <a:srgbClr val="FF0000"/>
+                </a:solidFill>
+                <a:latin typeface="CMU Serif Roman" charset="0"/>
+                <a:ea typeface="CMU Serif Roman" charset="0"/>
+                <a:cs typeface="CMU Serif Roman" charset="0"/>
+              </a:rPr>
+              <a:t>Robot (1)</a:t>
+            </a:r>
+            <a:endParaRPr lang="en-US" sz="1600" dirty="0">
+              <a:solidFill>
+                <a:srgbClr val="FF0000"/>
+              </a:solidFill>
+              <a:latin typeface="CMU Serif Roman" charset="0"/>
+              <a:ea typeface="CMU Serif Roman" charset="0"/>
+              <a:cs typeface="CMU Serif Roman" charset="0"/>
+            </a:endParaRPr>
+          </a:p>
+        </p:txBody>
+      </p:sp>
+      <p:sp>
+        <p:nvSpPr>
+          <p:cNvPr id="31" name="TextBox 30"/>
+          <p:cNvSpPr txBox="1"/>
+          <p:nvPr/>
+        </p:nvSpPr>
+        <p:spPr>
+          <a:xfrm>
+            <a:off x="4092222" y="3484323"/>
+            <a:ext cx="361671" cy="307777"/>
+          </a:xfrm>
+          <a:prstGeom prst="rect">
+            <a:avLst/>
+          </a:prstGeom>
+          <a:noFill/>
+          <a:ln>
+            <a:noFill/>
+          </a:ln>
+        </p:spPr>
+        <p:txBody>
+          <a:bodyPr wrap="square" rtlCol="0">
+            <a:spAutoFit/>
+          </a:bodyPr>
+          <a:lstStyle/>
+          <a:p>
+            <a:pPr algn="ctr"/>
+            <a:r>
+              <a:rPr lang="en-US" sz="1400" i="1" dirty="0" smtClean="0">
+                <a:latin typeface="CMU Serif Roman" charset="0"/>
+                <a:ea typeface="CMU Serif Roman" charset="0"/>
+                <a:cs typeface="CMU Serif Roman" charset="0"/>
+              </a:rPr>
+              <a:t>p</a:t>
+            </a:r>
+            <a:r>
+              <a:rPr lang="en-US" sz="1400" i="1" baseline="-25000" dirty="0" smtClean="0">
+                <a:latin typeface="CMU Serif Roman" charset="0"/>
+                <a:ea typeface="CMU Serif Roman" charset="0"/>
+                <a:cs typeface="CMU Serif Roman" charset="0"/>
+              </a:rPr>
+              <a:t>i</a:t>
+            </a:r>
+            <a:endParaRPr lang="en-US" sz="1400" i="1" dirty="0">
+              <a:latin typeface="CMU Serif Roman" charset="0"/>
+              <a:ea typeface="CMU Serif Roman" charset="0"/>
+              <a:cs typeface="CMU Serif Roman" charset="0"/>
+            </a:endParaRPr>
+          </a:p>
+        </p:txBody>
+      </p:sp>
+      <p:sp>
+        <p:nvSpPr>
+          <p:cNvPr id="32" name="TextBox 31"/>
+          <p:cNvSpPr txBox="1"/>
+          <p:nvPr/>
+        </p:nvSpPr>
+        <p:spPr>
+          <a:xfrm>
+            <a:off x="7798878" y="3870491"/>
+            <a:ext cx="531883" cy="307777"/>
+          </a:xfrm>
+          <a:prstGeom prst="rect">
+            <a:avLst/>
+          </a:prstGeom>
+          <a:noFill/>
+          <a:ln>
+            <a:noFill/>
+          </a:ln>
+        </p:spPr>
+        <p:txBody>
+          <a:bodyPr wrap="square" rtlCol="0">
+            <a:spAutoFit/>
+          </a:bodyPr>
+          <a:lstStyle/>
+          <a:p>
+            <a:pPr algn="ctr"/>
+            <a:r>
+              <a:rPr lang="en-US" sz="1400" i="1" dirty="0" smtClean="0">
+                <a:latin typeface="CMU Serif Roman" charset="0"/>
+                <a:ea typeface="CMU Serif Roman" charset="0"/>
+                <a:cs typeface="CMU Serif Roman" charset="0"/>
+              </a:rPr>
+              <a:t>p</a:t>
+            </a:r>
+            <a:r>
+              <a:rPr lang="en-US" sz="1400" i="1" baseline="-25000" dirty="0" smtClean="0">
+                <a:latin typeface="CMU Serif Roman" charset="0"/>
+                <a:ea typeface="CMU Serif Roman" charset="0"/>
+                <a:cs typeface="CMU Serif Roman" charset="0"/>
+              </a:rPr>
+              <a:t>i</a:t>
+            </a:r>
+            <a:r>
+              <a:rPr lang="en-US" sz="600" i="1" baseline="-25000" dirty="0" smtClean="0">
+                <a:latin typeface="CMU Serif Roman" charset="0"/>
+                <a:ea typeface="CMU Serif Roman" charset="0"/>
+                <a:cs typeface="CMU Serif Roman" charset="0"/>
+              </a:rPr>
+              <a:t> </a:t>
+            </a:r>
+            <a:r>
+              <a:rPr lang="en-US" sz="1400" baseline="-25000" dirty="0" smtClean="0">
+                <a:latin typeface="CMU Serif Roman" charset="0"/>
+                <a:ea typeface="CMU Serif Roman" charset="0"/>
+                <a:cs typeface="CMU Serif Roman" charset="0"/>
+              </a:rPr>
+              <a:t>+1</a:t>
+            </a:r>
+            <a:endParaRPr lang="en-US" sz="1400" dirty="0">
+              <a:latin typeface="CMU Serif Roman" charset="0"/>
+              <a:ea typeface="CMU Serif Roman" charset="0"/>
+              <a:cs typeface="CMU Serif Roman" charset="0"/>
+            </a:endParaRPr>
+          </a:p>
+        </p:txBody>
+      </p:sp>
+      <p:cxnSp>
+        <p:nvCxnSpPr>
+          <p:cNvPr id="34" name="Straight Arrow Connector 33"/>
+          <p:cNvCxnSpPr/>
+          <p:nvPr/>
+        </p:nvCxnSpPr>
+        <p:spPr>
+          <a:xfrm>
+            <a:off x="6291327" y="2877437"/>
+            <a:ext cx="756069" cy="606886"/>
+          </a:xfrm>
+          <a:prstGeom prst="straightConnector1">
+            <a:avLst/>
+          </a:prstGeom>
+          <a:ln w="28575">
+            <a:solidFill>
+              <a:srgbClr val="FF0000"/>
+            </a:solidFill>
+            <a:prstDash val="sysDash"/>
+            <a:tailEnd type="triangle"/>
+          </a:ln>
+        </p:spPr>
+        <p:style>
+          <a:lnRef idx="1">
+            <a:schemeClr val="accent1"/>
+          </a:lnRef>
+          <a:fillRef idx="0">
+            <a:schemeClr val="accent1"/>
+          </a:fillRef>
+          <a:effectRef idx="0">
+            <a:schemeClr val="accent1"/>
+          </a:effectRef>
+          <a:fontRef idx="minor">
+            <a:schemeClr val="tx1"/>
+          </a:fontRef>
+        </p:style>
+      </p:cxnSp>
+      <p:sp>
+        <p:nvSpPr>
+          <p:cNvPr id="38" name="TextBox 37"/>
+          <p:cNvSpPr txBox="1"/>
+          <p:nvPr/>
+        </p:nvSpPr>
+        <p:spPr>
+          <a:xfrm>
+            <a:off x="4725159" y="3251318"/>
+            <a:ext cx="744844" cy="307777"/>
+          </a:xfrm>
+          <a:prstGeom prst="rect">
+            <a:avLst/>
+          </a:prstGeom>
+          <a:noFill/>
+          <a:ln>
+            <a:noFill/>
+          </a:ln>
+        </p:spPr>
+        <p:txBody>
+          <a:bodyPr wrap="square" rtlCol="0">
+            <a:spAutoFit/>
+          </a:bodyPr>
+          <a:lstStyle/>
+          <a:p>
+            <a:pPr algn="ctr"/>
+            <a:r>
+              <a:rPr lang="en-US" sz="1400" i="1" dirty="0" smtClean="0">
+                <a:latin typeface="CMU Serif Roman" charset="0"/>
+                <a:ea typeface="CMU Serif Roman" charset="0"/>
+                <a:cs typeface="CMU Serif Roman" charset="0"/>
+              </a:rPr>
+              <a:t>⍺</a:t>
+            </a:r>
+            <a:r>
+              <a:rPr lang="en-US" sz="800" dirty="0">
+                <a:latin typeface="CMU Serif Roman" charset="0"/>
+                <a:ea typeface="CMU Serif Roman" charset="0"/>
+                <a:cs typeface="CMU Serif Roman" charset="0"/>
+              </a:rPr>
+              <a:t> </a:t>
+            </a:r>
+            <a:r>
+              <a:rPr lang="en-US" sz="1400" dirty="0">
+                <a:latin typeface="CMU Serif Roman" charset="0"/>
+                <a:ea typeface="CMU Serif Roman" charset="0"/>
+                <a:cs typeface="CMU Serif Roman" charset="0"/>
+              </a:rPr>
+              <a:t>&lt;</a:t>
+            </a:r>
+            <a:r>
+              <a:rPr lang="en-US" sz="800" dirty="0" smtClean="0">
+                <a:latin typeface="CMU Serif Roman" charset="0"/>
+                <a:ea typeface="CMU Serif Roman" charset="0"/>
+                <a:cs typeface="CMU Serif Roman" charset="0"/>
+              </a:rPr>
+              <a:t> </a:t>
+            </a:r>
+            <a:r>
+              <a:rPr lang="en-US" sz="1400" dirty="0" smtClean="0">
+                <a:latin typeface="CMU Serif Roman" charset="0"/>
+                <a:ea typeface="CMU Serif Roman" charset="0"/>
+                <a:cs typeface="CMU Serif Roman" charset="0"/>
+              </a:rPr>
+              <a:t>90°</a:t>
+            </a:r>
+            <a:endParaRPr lang="en-US" sz="1400" dirty="0">
+              <a:latin typeface="CMU Serif Roman" charset="0"/>
+              <a:ea typeface="CMU Serif Roman" charset="0"/>
+              <a:cs typeface="CMU Serif Roman" charset="0"/>
+            </a:endParaRPr>
+          </a:p>
+        </p:txBody>
+      </p:sp>
+      <p:sp>
+        <p:nvSpPr>
+          <p:cNvPr id="40" name="Oval 39"/>
+          <p:cNvSpPr>
+            <a:spLocks noChangeAspect="1"/>
+          </p:cNvSpPr>
+          <p:nvPr/>
+        </p:nvSpPr>
+        <p:spPr>
+          <a:xfrm>
+            <a:off x="2805432" y="2527961"/>
+            <a:ext cx="104740" cy="104740"/>
+          </a:xfrm>
+          <a:prstGeom prst="ellipse">
+            <a:avLst/>
+          </a:prstGeom>
+          <a:solidFill>
+            <a:srgbClr val="FF0000"/>
+          </a:solidFill>
+          <a:ln w="15875">
+            <a:noFill/>
+          </a:ln>
+        </p:spPr>
+        <p:style>
+          <a:lnRef idx="2">
+            <a:schemeClr val="accent1">
+              <a:shade val="50000"/>
+            </a:schemeClr>
+          </a:lnRef>
+          <a:fillRef idx="1">
+            <a:schemeClr val="accent1"/>
+          </a:fillRef>
+          <a:effectRef idx="0">
+            <a:schemeClr val="accent1"/>
+          </a:effectRef>
+          <a:fontRef idx="minor">
+            <a:schemeClr val="lt1"/>
+          </a:fontRef>
+        </p:style>
+        <p:txBody>
+          <a:bodyPr rtlCol="0" anchor="ctr"/>
+          <a:lstStyle/>
+          <a:p>
+            <a:pPr algn="ctr"/>
+            <a:endParaRPr lang="en-US">
+              <a:solidFill>
+                <a:srgbClr val="FF0000"/>
+              </a:solidFill>
+            </a:endParaRPr>
+          </a:p>
+        </p:txBody>
+      </p:sp>
+      <p:sp>
+        <p:nvSpPr>
+          <p:cNvPr id="41" name="TextBox 40"/>
+          <p:cNvSpPr txBox="1"/>
+          <p:nvPr/>
+        </p:nvSpPr>
+        <p:spPr>
+          <a:xfrm>
+            <a:off x="2149567" y="2229585"/>
+            <a:ext cx="1407966" cy="338554"/>
+          </a:xfrm>
+          <a:prstGeom prst="rect">
+            <a:avLst/>
+          </a:prstGeom>
+          <a:noFill/>
+          <a:ln>
+            <a:noFill/>
+          </a:ln>
+        </p:spPr>
+        <p:txBody>
+          <a:bodyPr wrap="square" rtlCol="0">
+            <a:spAutoFit/>
+          </a:bodyPr>
+          <a:lstStyle/>
+          <a:p>
+            <a:pPr algn="ctr"/>
+            <a:r>
+              <a:rPr lang="en-US" sz="1600" dirty="0" smtClean="0">
+                <a:solidFill>
+                  <a:srgbClr val="FF0000"/>
+                </a:solidFill>
+                <a:latin typeface="CMU Serif Roman" charset="0"/>
+                <a:ea typeface="CMU Serif Roman" charset="0"/>
+                <a:cs typeface="CMU Serif Roman" charset="0"/>
+              </a:rPr>
+              <a:t>Robot (2)</a:t>
+            </a:r>
+            <a:endParaRPr lang="en-US" sz="1600" dirty="0">
+              <a:solidFill>
+                <a:srgbClr val="FF0000"/>
+              </a:solidFill>
+              <a:latin typeface="CMU Serif Roman" charset="0"/>
+              <a:ea typeface="CMU Serif Roman" charset="0"/>
+              <a:cs typeface="CMU Serif Roman" charset="0"/>
+            </a:endParaRPr>
+          </a:p>
+        </p:txBody>
+      </p:sp>
+      <p:sp>
+        <p:nvSpPr>
+          <p:cNvPr id="52" name="TextBox 51"/>
+          <p:cNvSpPr txBox="1"/>
+          <p:nvPr/>
+        </p:nvSpPr>
+        <p:spPr>
+          <a:xfrm>
+            <a:off x="3886258" y="2814846"/>
+            <a:ext cx="815341" cy="307777"/>
+          </a:xfrm>
+          <a:prstGeom prst="rect">
+            <a:avLst/>
+          </a:prstGeom>
+          <a:noFill/>
+          <a:ln>
+            <a:noFill/>
+          </a:ln>
+        </p:spPr>
+        <p:txBody>
+          <a:bodyPr wrap="square" rtlCol="0">
+            <a:spAutoFit/>
+          </a:bodyPr>
+          <a:lstStyle/>
+          <a:p>
+            <a:pPr algn="ctr"/>
+            <a:r>
+              <a:rPr lang="en-US" sz="1400" i="1" dirty="0" smtClean="0">
+                <a:latin typeface="CMU Serif Roman" charset="0"/>
+                <a:ea typeface="CMU Serif Roman" charset="0"/>
+                <a:cs typeface="CMU Serif Roman" charset="0"/>
+              </a:rPr>
+              <a:t>⍺</a:t>
+            </a:r>
+            <a:r>
+              <a:rPr lang="en-US" sz="800" i="1" dirty="0" smtClean="0">
+                <a:latin typeface="CMU Serif Roman" charset="0"/>
+                <a:ea typeface="CMU Serif Roman" charset="0"/>
+                <a:cs typeface="CMU Serif Roman" charset="0"/>
+              </a:rPr>
+              <a:t> </a:t>
+            </a:r>
+            <a:r>
+              <a:rPr lang="en-US" sz="1400" dirty="0" smtClean="0">
+                <a:latin typeface="CMU Serif Roman" charset="0"/>
+                <a:ea typeface="CMU Serif Roman" charset="0"/>
+                <a:cs typeface="CMU Serif Roman" charset="0"/>
+              </a:rPr>
+              <a:t>&gt;</a:t>
+            </a:r>
+            <a:r>
+              <a:rPr lang="en-US" sz="800" dirty="0" smtClean="0">
+                <a:latin typeface="CMU Serif Roman" charset="0"/>
+                <a:ea typeface="CMU Serif Roman" charset="0"/>
+                <a:cs typeface="CMU Serif Roman" charset="0"/>
+              </a:rPr>
+              <a:t> </a:t>
+            </a:r>
+            <a:r>
+              <a:rPr lang="en-US" sz="1400" dirty="0" smtClean="0">
+                <a:latin typeface="CMU Serif Roman" charset="0"/>
+                <a:ea typeface="CMU Serif Roman" charset="0"/>
+                <a:cs typeface="CMU Serif Roman" charset="0"/>
+              </a:rPr>
+              <a:t>90°</a:t>
+            </a:r>
+            <a:endParaRPr lang="en-US" sz="1400" dirty="0">
+              <a:latin typeface="CMU Serif Roman" charset="0"/>
+              <a:ea typeface="CMU Serif Roman" charset="0"/>
+              <a:cs typeface="CMU Serif Roman" charset="0"/>
+            </a:endParaRPr>
+          </a:p>
+        </p:txBody>
+      </p:sp>
+      <p:cxnSp>
+        <p:nvCxnSpPr>
+          <p:cNvPr id="53" name="Straight Arrow Connector 52"/>
+          <p:cNvCxnSpPr/>
+          <p:nvPr/>
+        </p:nvCxnSpPr>
+        <p:spPr>
+          <a:xfrm>
+            <a:off x="3006487" y="2680408"/>
+            <a:ext cx="669751" cy="419328"/>
+          </a:xfrm>
+          <a:prstGeom prst="straightConnector1">
+            <a:avLst/>
+          </a:prstGeom>
+          <a:ln w="28575">
+            <a:solidFill>
+              <a:srgbClr val="FF0000"/>
+            </a:solidFill>
+            <a:prstDash val="sysDash"/>
+            <a:tailEnd type="triangle"/>
+          </a:ln>
+        </p:spPr>
+        <p:style>
+          <a:lnRef idx="1">
+            <a:schemeClr val="accent1"/>
+          </a:lnRef>
+          <a:fillRef idx="0">
+            <a:schemeClr val="accent1"/>
+          </a:fillRef>
+          <a:effectRef idx="0">
+            <a:schemeClr val="accent1"/>
+          </a:effectRef>
+          <a:fontRef idx="minor">
+            <a:schemeClr val="tx1"/>
+          </a:fontRef>
+        </p:style>
+      </p:cxnSp>
+    </p:spTree>
+    <p:extLst>
+      <p:ext uri="{BB962C8B-B14F-4D97-AF65-F5344CB8AC3E}">
+        <p14:creationId xmlns:p14="http://schemas.microsoft.com/office/powerpoint/2010/main" val="1876667950"/>
       </p:ext>
     </p:extLst>
   </p:cSld>
